--- a/设计模式1-beta.pptx
+++ b/设计模式1-beta.pptx
@@ -126,6 +126,11 @@
       </a:defRPr>
     </a:lvl9pPr>
   </p:defaultTextStyle>
+  <p:extLst>
+    <p:ext uri="{EFAFB233-063F-42B5-8137-9DF3F51BA10A}">
+      <p15:sldGuideLst xmlns:p15="http://schemas.microsoft.com/office/powerpoint/2012/main"/>
+    </p:ext>
+  </p:extLst>
 </p:presentation>
 </file>
 
@@ -276,7 +281,7 @@
           <a:p>
             <a:fld id="{18499C2A-F7B6-49DD-A0C1-45A2D72FFDCF}" type="datetimeFigureOut">
               <a:rPr lang="zh-CN" altLang="en-US" smtClean="0"/>
-              <a:t>2018/8/12</a:t>
+              <a:t>2018/8/19</a:t>
             </a:fld>
             <a:endParaRPr lang="zh-CN" altLang="en-US"/>
           </a:p>
@@ -474,7 +479,7 @@
           <a:p>
             <a:fld id="{18499C2A-F7B6-49DD-A0C1-45A2D72FFDCF}" type="datetimeFigureOut">
               <a:rPr lang="zh-CN" altLang="en-US" smtClean="0"/>
-              <a:t>2018/8/12</a:t>
+              <a:t>2018/8/19</a:t>
             </a:fld>
             <a:endParaRPr lang="zh-CN" altLang="en-US"/>
           </a:p>
@@ -682,7 +687,7 @@
           <a:p>
             <a:fld id="{18499C2A-F7B6-49DD-A0C1-45A2D72FFDCF}" type="datetimeFigureOut">
               <a:rPr lang="zh-CN" altLang="en-US" smtClean="0"/>
-              <a:t>2018/8/12</a:t>
+              <a:t>2018/8/19</a:t>
             </a:fld>
             <a:endParaRPr lang="zh-CN" altLang="en-US"/>
           </a:p>
@@ -795,7 +800,7 @@
           <a:p>
             <a:fld id="{E13947ED-5EF2-47D5-99F5-5EE8E4B8CE26}" type="datetimeFigureOut">
               <a:rPr lang="zh-CN" altLang="en-US" smtClean="0"/>
-              <a:t>2018/8/12</a:t>
+              <a:t>2018/8/19</a:t>
             </a:fld>
             <a:endParaRPr lang="zh-CN" altLang="en-US"/>
           </a:p>
@@ -1046,7 +1051,7 @@
           <a:p>
             <a:fld id="{18499C2A-F7B6-49DD-A0C1-45A2D72FFDCF}" type="datetimeFigureOut">
               <a:rPr lang="zh-CN" altLang="en-US" smtClean="0"/>
-              <a:t>2018/8/12</a:t>
+              <a:t>2018/8/19</a:t>
             </a:fld>
             <a:endParaRPr lang="zh-CN" altLang="en-US"/>
           </a:p>
@@ -1321,7 +1326,7 @@
           <a:p>
             <a:fld id="{18499C2A-F7B6-49DD-A0C1-45A2D72FFDCF}" type="datetimeFigureOut">
               <a:rPr lang="zh-CN" altLang="en-US" smtClean="0"/>
-              <a:t>2018/8/12</a:t>
+              <a:t>2018/8/19</a:t>
             </a:fld>
             <a:endParaRPr lang="zh-CN" altLang="en-US"/>
           </a:p>
@@ -1586,7 +1591,7 @@
           <a:p>
             <a:fld id="{18499C2A-F7B6-49DD-A0C1-45A2D72FFDCF}" type="datetimeFigureOut">
               <a:rPr lang="zh-CN" altLang="en-US" smtClean="0"/>
-              <a:t>2018/8/12</a:t>
+              <a:t>2018/8/19</a:t>
             </a:fld>
             <a:endParaRPr lang="zh-CN" altLang="en-US"/>
           </a:p>
@@ -1998,7 +2003,7 @@
           <a:p>
             <a:fld id="{18499C2A-F7B6-49DD-A0C1-45A2D72FFDCF}" type="datetimeFigureOut">
               <a:rPr lang="zh-CN" altLang="en-US" smtClean="0"/>
-              <a:t>2018/8/12</a:t>
+              <a:t>2018/8/19</a:t>
             </a:fld>
             <a:endParaRPr lang="zh-CN" altLang="en-US"/>
           </a:p>
@@ -2139,7 +2144,7 @@
           <a:p>
             <a:fld id="{18499C2A-F7B6-49DD-A0C1-45A2D72FFDCF}" type="datetimeFigureOut">
               <a:rPr lang="zh-CN" altLang="en-US" smtClean="0"/>
-              <a:t>2018/8/12</a:t>
+              <a:t>2018/8/19</a:t>
             </a:fld>
             <a:endParaRPr lang="zh-CN" altLang="en-US"/>
           </a:p>
@@ -2252,7 +2257,7 @@
           <a:p>
             <a:fld id="{18499C2A-F7B6-49DD-A0C1-45A2D72FFDCF}" type="datetimeFigureOut">
               <a:rPr lang="zh-CN" altLang="en-US" smtClean="0"/>
-              <a:t>2018/8/12</a:t>
+              <a:t>2018/8/19</a:t>
             </a:fld>
             <a:endParaRPr lang="zh-CN" altLang="en-US"/>
           </a:p>
@@ -2563,7 +2568,7 @@
           <a:p>
             <a:fld id="{18499C2A-F7B6-49DD-A0C1-45A2D72FFDCF}" type="datetimeFigureOut">
               <a:rPr lang="zh-CN" altLang="en-US" smtClean="0"/>
-              <a:t>2018/8/12</a:t>
+              <a:t>2018/8/19</a:t>
             </a:fld>
             <a:endParaRPr lang="zh-CN" altLang="en-US"/>
           </a:p>
@@ -2851,7 +2856,7 @@
           <a:p>
             <a:fld id="{18499C2A-F7B6-49DD-A0C1-45A2D72FFDCF}" type="datetimeFigureOut">
               <a:rPr lang="zh-CN" altLang="en-US" smtClean="0"/>
-              <a:t>2018/8/12</a:t>
+              <a:t>2018/8/19</a:t>
             </a:fld>
             <a:endParaRPr lang="zh-CN" altLang="en-US"/>
           </a:p>
@@ -3092,7 +3097,7 @@
           <a:p>
             <a:fld id="{18499C2A-F7B6-49DD-A0C1-45A2D72FFDCF}" type="datetimeFigureOut">
               <a:rPr lang="zh-CN" altLang="en-US" smtClean="0"/>
-              <a:t>2018/8/12</a:t>
+              <a:t>2018/8/19</a:t>
             </a:fld>
             <a:endParaRPr lang="zh-CN" altLang="en-US"/>
           </a:p>
@@ -4649,6 +4654,119 @@
           <a:chExt cx="0" cy="0"/>
         </a:xfrm>
       </p:grpSpPr>
+      <p:sp>
+        <p:nvSpPr>
+          <p:cNvPr id="2" name="文本框 1">
+            <a:extLst>
+              <a:ext uri="{FF2B5EF4-FFF2-40B4-BE49-F238E27FC236}">
+                <a16:creationId xmlns:a16="http://schemas.microsoft.com/office/drawing/2014/main" id="{393557C1-11A8-49B0-AFC4-566B0633FB61}"/>
+              </a:ext>
+            </a:extLst>
+          </p:cNvPr>
+          <p:cNvSpPr txBox="1"/>
+          <p:nvPr/>
+        </p:nvSpPr>
+        <p:spPr>
+          <a:xfrm>
+            <a:off x="-42945" y="0"/>
+            <a:ext cx="3724096" cy="461665"/>
+          </a:xfrm>
+          <a:prstGeom prst="rect">
+            <a:avLst/>
+          </a:prstGeom>
+          <a:noFill/>
+        </p:spPr>
+        <p:txBody>
+          <a:bodyPr wrap="none" rtlCol="0">
+            <a:spAutoFit/>
+          </a:bodyPr>
+          <a:lstStyle/>
+          <a:p>
+            <a:r>
+              <a:rPr lang="zh-CN" altLang="en-US" sz="2400"/>
+              <a:t>策略模式</a:t>
+            </a:r>
+            <a:r>
+              <a:rPr lang="en-US" altLang="zh-CN" sz="2400"/>
+              <a:t>(Str</a:t>
+            </a:r>
+            <a:r>
+              <a:rPr lang="en-US" altLang="zh-CN" sz="2400" u="sng"/>
+              <a:t>at</a:t>
+            </a:r>
+            <a:r>
+              <a:rPr lang="en-US" altLang="zh-CN" sz="2400"/>
+              <a:t>egy Pattern)</a:t>
+            </a:r>
+            <a:endParaRPr lang="zh-CN" altLang="en-US" sz="2400"/>
+          </a:p>
+        </p:txBody>
+      </p:sp>
+      <p:sp>
+        <p:nvSpPr>
+          <p:cNvPr id="3" name="文本框 2">
+            <a:extLst>
+              <a:ext uri="{FF2B5EF4-FFF2-40B4-BE49-F238E27FC236}">
+                <a16:creationId xmlns:a16="http://schemas.microsoft.com/office/drawing/2014/main" id="{AEB6C637-FA26-44EA-88AB-A3F5A96D90D1}"/>
+              </a:ext>
+            </a:extLst>
+          </p:cNvPr>
+          <p:cNvSpPr txBox="1"/>
+          <p:nvPr/>
+        </p:nvSpPr>
+        <p:spPr>
+          <a:xfrm>
+            <a:off x="2849751" y="1018309"/>
+            <a:ext cx="5824582" cy="646331"/>
+          </a:xfrm>
+          <a:prstGeom prst="rect">
+            <a:avLst/>
+          </a:prstGeom>
+          <a:noFill/>
+        </p:spPr>
+        <p:txBody>
+          <a:bodyPr wrap="square" rtlCol="0">
+            <a:spAutoFit/>
+          </a:bodyPr>
+          <a:lstStyle/>
+          <a:p>
+            <a:r>
+              <a:rPr lang="zh-CN" altLang="en-US"/>
+              <a:t>定义了算法族，分别封装起来，让他们之间可以互相替换，此模式让算法的变化独立于算法的客户。</a:t>
+            </a:r>
+          </a:p>
+        </p:txBody>
+      </p:sp>
+      <p:pic>
+        <p:nvPicPr>
+          <p:cNvPr id="11" name="图片 10">
+            <a:extLst>
+              <a:ext uri="{FF2B5EF4-FFF2-40B4-BE49-F238E27FC236}">
+                <a16:creationId xmlns:a16="http://schemas.microsoft.com/office/drawing/2014/main" id="{ED349423-6CD5-454C-AC5A-9FD041B564DB}"/>
+              </a:ext>
+            </a:extLst>
+          </p:cNvPr>
+          <p:cNvPicPr>
+            <a:picLocks noChangeAspect="1"/>
+          </p:cNvPicPr>
+          <p:nvPr/>
+        </p:nvPicPr>
+        <p:blipFill>
+          <a:blip r:embed="rId2"/>
+          <a:stretch>
+            <a:fillRect/>
+          </a:stretch>
+        </p:blipFill>
+        <p:spPr>
+          <a:xfrm>
+            <a:off x="1683626" y="1878231"/>
+            <a:ext cx="7855229" cy="4447232"/>
+          </a:xfrm>
+          <a:prstGeom prst="rect">
+            <a:avLst/>
+          </a:prstGeom>
+        </p:spPr>
+      </p:pic>
     </p:spTree>
     <p:extLst>
       <p:ext uri="{BB962C8B-B14F-4D97-AF65-F5344CB8AC3E}">
@@ -4679,6 +4797,739 @@
           <a:chExt cx="0" cy="0"/>
         </a:xfrm>
       </p:grpSpPr>
+      <p:sp>
+        <p:nvSpPr>
+          <p:cNvPr id="3" name="矩形 2">
+            <a:extLst>
+              <a:ext uri="{FF2B5EF4-FFF2-40B4-BE49-F238E27FC236}">
+                <a16:creationId xmlns:a16="http://schemas.microsoft.com/office/drawing/2014/main" id="{24F90C55-51DF-4A41-9D89-9274A355B059}"/>
+              </a:ext>
+            </a:extLst>
+          </p:cNvPr>
+          <p:cNvSpPr/>
+          <p:nvPr/>
+        </p:nvSpPr>
+        <p:spPr>
+          <a:xfrm>
+            <a:off x="1585641" y="375690"/>
+            <a:ext cx="6102953" cy="369332"/>
+          </a:xfrm>
+          <a:prstGeom prst="rect">
+            <a:avLst/>
+          </a:prstGeom>
+        </p:spPr>
+        <p:txBody>
+          <a:bodyPr wrap="none">
+            <a:spAutoFit/>
+          </a:bodyPr>
+          <a:lstStyle/>
+          <a:p>
+            <a:r>
+              <a:rPr lang="zh-CN" altLang="en-US"/>
+              <a:t>https://blog.csdn.net/u012124438/article/details/70039943/</a:t>
+            </a:r>
+          </a:p>
+        </p:txBody>
+      </p:sp>
+      <p:sp>
+        <p:nvSpPr>
+          <p:cNvPr id="4" name="矩形 3">
+            <a:extLst>
+              <a:ext uri="{FF2B5EF4-FFF2-40B4-BE49-F238E27FC236}">
+                <a16:creationId xmlns:a16="http://schemas.microsoft.com/office/drawing/2014/main" id="{EEBDF436-EA91-4AE3-8C75-16198180A687}"/>
+              </a:ext>
+            </a:extLst>
+          </p:cNvPr>
+          <p:cNvSpPr/>
+          <p:nvPr/>
+        </p:nvSpPr>
+        <p:spPr>
+          <a:xfrm>
+            <a:off x="541006" y="908358"/>
+            <a:ext cx="4038600" cy="769441"/>
+          </a:xfrm>
+          <a:prstGeom prst="rect">
+            <a:avLst/>
+          </a:prstGeom>
+        </p:spPr>
+        <p:txBody>
+          <a:bodyPr wrap="square">
+            <a:spAutoFit/>
+          </a:bodyPr>
+          <a:lstStyle/>
+          <a:p>
+            <a:r>
+              <a:rPr lang="en-US" altLang="zh-CN" sz="1100">
+                <a:solidFill>
+                  <a:srgbClr val="000088"/>
+                </a:solidFill>
+                <a:latin typeface="Consolas" panose="020B0609020204030204" pitchFamily="49" charset="0"/>
+              </a:rPr>
+              <a:t>public</a:t>
+            </a:r>
+            <a:r>
+              <a:rPr lang="en-US" altLang="zh-CN" sz="1100">
+                <a:solidFill>
+                  <a:srgbClr val="000000"/>
+                </a:solidFill>
+                <a:latin typeface="Consolas" panose="020B0609020204030204" pitchFamily="49" charset="0"/>
+              </a:rPr>
+              <a:t> </a:t>
+            </a:r>
+            <a:r>
+              <a:rPr lang="en-US" altLang="zh-CN" sz="1100">
+                <a:solidFill>
+                  <a:srgbClr val="000088"/>
+                </a:solidFill>
+                <a:latin typeface="Consolas" panose="020B0609020204030204" pitchFamily="49" charset="0"/>
+              </a:rPr>
+              <a:t>interface</a:t>
+            </a:r>
+            <a:r>
+              <a:rPr lang="en-US" altLang="zh-CN" sz="1100">
+                <a:solidFill>
+                  <a:srgbClr val="000000"/>
+                </a:solidFill>
+                <a:latin typeface="Consolas" panose="020B0609020204030204" pitchFamily="49" charset="0"/>
+              </a:rPr>
+              <a:t> CalPrice { </a:t>
+            </a:r>
+          </a:p>
+          <a:p>
+            <a:r>
+              <a:rPr lang="en-US" altLang="zh-CN" sz="1100">
+                <a:solidFill>
+                  <a:srgbClr val="000000"/>
+                </a:solidFill>
+                <a:latin typeface="Consolas" panose="020B0609020204030204" pitchFamily="49" charset="0"/>
+              </a:rPr>
+              <a:t>	</a:t>
+            </a:r>
+            <a:r>
+              <a:rPr lang="en-US" altLang="zh-CN" sz="1100">
+                <a:solidFill>
+                  <a:srgbClr val="880000"/>
+                </a:solidFill>
+                <a:latin typeface="Consolas" panose="020B0609020204030204" pitchFamily="49" charset="0"/>
+              </a:rPr>
+              <a:t>//</a:t>
+            </a:r>
+            <a:r>
+              <a:rPr lang="zh-CN" altLang="en-US" sz="1100">
+                <a:solidFill>
+                  <a:srgbClr val="880000"/>
+                </a:solidFill>
+                <a:latin typeface="Consolas" panose="020B0609020204030204" pitchFamily="49" charset="0"/>
+              </a:rPr>
+              <a:t>根据原价返回一个最终的价格</a:t>
+            </a:r>
+            <a:r>
+              <a:rPr lang="zh-CN" altLang="en-US" sz="1100">
+                <a:solidFill>
+                  <a:srgbClr val="000000"/>
+                </a:solidFill>
+                <a:latin typeface="Consolas" panose="020B0609020204030204" pitchFamily="49" charset="0"/>
+              </a:rPr>
+              <a:t> </a:t>
+            </a:r>
+            <a:r>
+              <a:rPr lang="en-US" altLang="zh-CN" sz="1100">
+                <a:solidFill>
+                  <a:srgbClr val="000000"/>
+                </a:solidFill>
+                <a:latin typeface="Consolas" panose="020B0609020204030204" pitchFamily="49" charset="0"/>
+              </a:rPr>
+              <a:t>	</a:t>
+            </a:r>
+          </a:p>
+          <a:p>
+            <a:r>
+              <a:rPr lang="en-US" altLang="zh-CN" sz="1100">
+                <a:solidFill>
+                  <a:srgbClr val="000000"/>
+                </a:solidFill>
+                <a:latin typeface="Consolas" panose="020B0609020204030204" pitchFamily="49" charset="0"/>
+              </a:rPr>
+              <a:t>	Double calPrice(Double orgnicPrice); </a:t>
+            </a:r>
+          </a:p>
+          <a:p>
+            <a:r>
+              <a:rPr lang="en-US" altLang="zh-CN" sz="1100">
+                <a:solidFill>
+                  <a:srgbClr val="000000"/>
+                </a:solidFill>
+                <a:latin typeface="Consolas" panose="020B0609020204030204" pitchFamily="49" charset="0"/>
+              </a:rPr>
+              <a:t>}</a:t>
+            </a:r>
+            <a:endParaRPr lang="zh-CN" altLang="en-US" sz="1100"/>
+          </a:p>
+        </p:txBody>
+      </p:sp>
+      <p:sp>
+        <p:nvSpPr>
+          <p:cNvPr id="5" name="矩形 4">
+            <a:extLst>
+              <a:ext uri="{FF2B5EF4-FFF2-40B4-BE49-F238E27FC236}">
+                <a16:creationId xmlns:a16="http://schemas.microsoft.com/office/drawing/2014/main" id="{546048D9-B731-4A47-A6AE-A7C87070CE60}"/>
+              </a:ext>
+            </a:extLst>
+          </p:cNvPr>
+          <p:cNvSpPr/>
+          <p:nvPr/>
+        </p:nvSpPr>
+        <p:spPr>
+          <a:xfrm>
+            <a:off x="541006" y="2904267"/>
+            <a:ext cx="4898969" cy="1107996"/>
+          </a:xfrm>
+          <a:prstGeom prst="rect">
+            <a:avLst/>
+          </a:prstGeom>
+        </p:spPr>
+        <p:txBody>
+          <a:bodyPr wrap="square">
+            <a:spAutoFit/>
+          </a:bodyPr>
+          <a:lstStyle/>
+          <a:p>
+            <a:r>
+              <a:rPr lang="en-US" altLang="zh-CN" sz="1100">
+                <a:solidFill>
+                  <a:srgbClr val="000088"/>
+                </a:solidFill>
+                <a:latin typeface="Consolas" panose="020B0609020204030204" pitchFamily="49" charset="0"/>
+              </a:rPr>
+              <a:t>public</a:t>
+            </a:r>
+            <a:r>
+              <a:rPr lang="en-US" altLang="zh-CN" sz="1100">
+                <a:solidFill>
+                  <a:srgbClr val="000000"/>
+                </a:solidFill>
+                <a:latin typeface="Consolas" panose="020B0609020204030204" pitchFamily="49" charset="0"/>
+              </a:rPr>
+              <a:t> </a:t>
+            </a:r>
+            <a:r>
+              <a:rPr lang="en-US" altLang="zh-CN" sz="1100">
+                <a:solidFill>
+                  <a:srgbClr val="000088"/>
+                </a:solidFill>
+                <a:latin typeface="Consolas" panose="020B0609020204030204" pitchFamily="49" charset="0"/>
+              </a:rPr>
+              <a:t>class</a:t>
+            </a:r>
+            <a:r>
+              <a:rPr lang="en-US" altLang="zh-CN" sz="1100">
+                <a:solidFill>
+                  <a:srgbClr val="000000"/>
+                </a:solidFill>
+                <a:latin typeface="Consolas" panose="020B0609020204030204" pitchFamily="49" charset="0"/>
+              </a:rPr>
+              <a:t> </a:t>
+            </a:r>
+            <a:r>
+              <a:rPr lang="en-US" altLang="zh-CN" sz="1100">
+                <a:solidFill>
+                  <a:srgbClr val="4F4F4F"/>
+                </a:solidFill>
+                <a:latin typeface="Consolas" panose="020B0609020204030204" pitchFamily="49" charset="0"/>
+              </a:rPr>
+              <a:t>Orgnic</a:t>
+            </a:r>
+            <a:r>
+              <a:rPr lang="en-US" altLang="zh-CN" sz="1100">
+                <a:solidFill>
+                  <a:srgbClr val="000000"/>
+                </a:solidFill>
+                <a:latin typeface="Consolas" panose="020B0609020204030204" pitchFamily="49" charset="0"/>
+              </a:rPr>
+              <a:t> </a:t>
+            </a:r>
+            <a:r>
+              <a:rPr lang="en-US" altLang="zh-CN" sz="1100">
+                <a:solidFill>
+                  <a:srgbClr val="000088"/>
+                </a:solidFill>
+                <a:latin typeface="Consolas" panose="020B0609020204030204" pitchFamily="49" charset="0"/>
+              </a:rPr>
+              <a:t>implements</a:t>
+            </a:r>
+            <a:r>
+              <a:rPr lang="en-US" altLang="zh-CN" sz="1100">
+                <a:solidFill>
+                  <a:srgbClr val="000000"/>
+                </a:solidFill>
+                <a:latin typeface="Consolas" panose="020B0609020204030204" pitchFamily="49" charset="0"/>
+              </a:rPr>
+              <a:t> </a:t>
+            </a:r>
+            <a:r>
+              <a:rPr lang="en-US" altLang="zh-CN" sz="1100">
+                <a:solidFill>
+                  <a:srgbClr val="4F4F4F"/>
+                </a:solidFill>
+                <a:latin typeface="Consolas" panose="020B0609020204030204" pitchFamily="49" charset="0"/>
+              </a:rPr>
+              <a:t>CalPrice</a:t>
+            </a:r>
+            <a:r>
+              <a:rPr lang="en-US" altLang="zh-CN" sz="1100">
+                <a:solidFill>
+                  <a:srgbClr val="000000"/>
+                </a:solidFill>
+                <a:latin typeface="Consolas" panose="020B0609020204030204" pitchFamily="49" charset="0"/>
+              </a:rPr>
+              <a:t> { </a:t>
+            </a:r>
+          </a:p>
+          <a:p>
+            <a:r>
+              <a:rPr lang="en-US" altLang="zh-CN" sz="1100">
+                <a:solidFill>
+                  <a:srgbClr val="000000"/>
+                </a:solidFill>
+                <a:latin typeface="Consolas" panose="020B0609020204030204" pitchFamily="49" charset="0"/>
+              </a:rPr>
+              <a:t>	</a:t>
+            </a:r>
+            <a:r>
+              <a:rPr lang="en-US" altLang="zh-CN" sz="1100">
+                <a:solidFill>
+                  <a:srgbClr val="9B859D"/>
+                </a:solidFill>
+                <a:latin typeface="Consolas" panose="020B0609020204030204" pitchFamily="49" charset="0"/>
+              </a:rPr>
+              <a:t>@Override</a:t>
+            </a:r>
+            <a:r>
+              <a:rPr lang="en-US" altLang="zh-CN" sz="1100">
+                <a:solidFill>
+                  <a:srgbClr val="000000"/>
+                </a:solidFill>
+                <a:latin typeface="Consolas" panose="020B0609020204030204" pitchFamily="49" charset="0"/>
+              </a:rPr>
+              <a:t> </a:t>
+            </a:r>
+          </a:p>
+          <a:p>
+            <a:r>
+              <a:rPr lang="en-US" altLang="zh-CN" sz="1100">
+                <a:solidFill>
+                  <a:srgbClr val="000000"/>
+                </a:solidFill>
+                <a:latin typeface="Consolas" panose="020B0609020204030204" pitchFamily="49" charset="0"/>
+              </a:rPr>
+              <a:t>	</a:t>
+            </a:r>
+            <a:r>
+              <a:rPr lang="en-US" altLang="zh-CN" sz="1100">
+                <a:solidFill>
+                  <a:srgbClr val="000088"/>
+                </a:solidFill>
+                <a:latin typeface="Consolas" panose="020B0609020204030204" pitchFamily="49" charset="0"/>
+              </a:rPr>
+              <a:t>public</a:t>
+            </a:r>
+            <a:r>
+              <a:rPr lang="en-US" altLang="zh-CN" sz="1100">
+                <a:solidFill>
+                  <a:srgbClr val="000000"/>
+                </a:solidFill>
+                <a:latin typeface="Consolas" panose="020B0609020204030204" pitchFamily="49" charset="0"/>
+              </a:rPr>
+              <a:t> Double </a:t>
+            </a:r>
+            <a:r>
+              <a:rPr lang="en-US" altLang="zh-CN" sz="1100">
+                <a:solidFill>
+                  <a:srgbClr val="009900"/>
+                </a:solidFill>
+                <a:latin typeface="Consolas" panose="020B0609020204030204" pitchFamily="49" charset="0"/>
+              </a:rPr>
+              <a:t>calPrice</a:t>
+            </a:r>
+            <a:r>
+              <a:rPr lang="en-US" altLang="zh-CN" sz="1100">
+                <a:solidFill>
+                  <a:srgbClr val="000000"/>
+                </a:solidFill>
+                <a:latin typeface="Consolas" panose="020B0609020204030204" pitchFamily="49" charset="0"/>
+              </a:rPr>
+              <a:t>(Double orgnicPrice) { </a:t>
+            </a:r>
+          </a:p>
+          <a:p>
+            <a:r>
+              <a:rPr lang="en-US" altLang="zh-CN" sz="1100">
+                <a:solidFill>
+                  <a:srgbClr val="000000"/>
+                </a:solidFill>
+                <a:latin typeface="Consolas" panose="020B0609020204030204" pitchFamily="49" charset="0"/>
+              </a:rPr>
+              <a:t>		</a:t>
+            </a:r>
+            <a:r>
+              <a:rPr lang="en-US" altLang="zh-CN" sz="1100">
+                <a:solidFill>
+                  <a:srgbClr val="000088"/>
+                </a:solidFill>
+                <a:latin typeface="Consolas" panose="020B0609020204030204" pitchFamily="49" charset="0"/>
+              </a:rPr>
+              <a:t>return</a:t>
+            </a:r>
+            <a:r>
+              <a:rPr lang="en-US" altLang="zh-CN" sz="1100">
+                <a:solidFill>
+                  <a:srgbClr val="000000"/>
+                </a:solidFill>
+                <a:latin typeface="Consolas" panose="020B0609020204030204" pitchFamily="49" charset="0"/>
+              </a:rPr>
+              <a:t> orgnicPrice; </a:t>
+            </a:r>
+          </a:p>
+          <a:p>
+            <a:r>
+              <a:rPr lang="en-US" altLang="zh-CN" sz="1100">
+                <a:solidFill>
+                  <a:srgbClr val="000000"/>
+                </a:solidFill>
+                <a:latin typeface="Consolas" panose="020B0609020204030204" pitchFamily="49" charset="0"/>
+              </a:rPr>
+              <a:t>	}</a:t>
+            </a:r>
+          </a:p>
+          <a:p>
+            <a:r>
+              <a:rPr lang="en-US" altLang="zh-CN" sz="1100">
+                <a:solidFill>
+                  <a:srgbClr val="000000"/>
+                </a:solidFill>
+                <a:latin typeface="Consolas" panose="020B0609020204030204" pitchFamily="49" charset="0"/>
+              </a:rPr>
+              <a:t>}</a:t>
+            </a:r>
+            <a:endParaRPr lang="zh-CN" altLang="en-US" sz="1100"/>
+          </a:p>
+        </p:txBody>
+      </p:sp>
+      <p:sp>
+        <p:nvSpPr>
+          <p:cNvPr id="6" name="矩形 5">
+            <a:extLst>
+              <a:ext uri="{FF2B5EF4-FFF2-40B4-BE49-F238E27FC236}">
+                <a16:creationId xmlns:a16="http://schemas.microsoft.com/office/drawing/2014/main" id="{321F62C7-4ACC-4E27-8658-6D16AD1AB4D1}"/>
+              </a:ext>
+            </a:extLst>
+          </p:cNvPr>
+          <p:cNvSpPr/>
+          <p:nvPr/>
+        </p:nvSpPr>
+        <p:spPr>
+          <a:xfrm>
+            <a:off x="541006" y="1841135"/>
+            <a:ext cx="5426826" cy="938719"/>
+          </a:xfrm>
+          <a:prstGeom prst="rect">
+            <a:avLst/>
+          </a:prstGeom>
+        </p:spPr>
+        <p:txBody>
+          <a:bodyPr wrap="square">
+            <a:spAutoFit/>
+          </a:bodyPr>
+          <a:lstStyle/>
+          <a:p>
+            <a:r>
+              <a:rPr lang="en-US" altLang="zh-CN" sz="1100">
+                <a:solidFill>
+                  <a:srgbClr val="000088"/>
+                </a:solidFill>
+                <a:latin typeface="Consolas" panose="020B0609020204030204" pitchFamily="49" charset="0"/>
+              </a:rPr>
+              <a:t>public</a:t>
+            </a:r>
+            <a:r>
+              <a:rPr lang="en-US" altLang="zh-CN" sz="1100">
+                <a:solidFill>
+                  <a:srgbClr val="000000"/>
+                </a:solidFill>
+                <a:latin typeface="Consolas" panose="020B0609020204030204" pitchFamily="49" charset="0"/>
+              </a:rPr>
+              <a:t> </a:t>
+            </a:r>
+            <a:r>
+              <a:rPr lang="en-US" altLang="zh-CN" sz="1100">
+                <a:solidFill>
+                  <a:srgbClr val="000088"/>
+                </a:solidFill>
+                <a:latin typeface="Consolas" panose="020B0609020204030204" pitchFamily="49" charset="0"/>
+              </a:rPr>
+              <a:t>class</a:t>
+            </a:r>
+            <a:r>
+              <a:rPr lang="en-US" altLang="zh-CN" sz="1100">
+                <a:solidFill>
+                  <a:srgbClr val="000000"/>
+                </a:solidFill>
+                <a:latin typeface="Consolas" panose="020B0609020204030204" pitchFamily="49" charset="0"/>
+              </a:rPr>
+              <a:t> </a:t>
+            </a:r>
+            <a:r>
+              <a:rPr lang="en-US" altLang="zh-CN" sz="1100">
+                <a:solidFill>
+                  <a:srgbClr val="4F4F4F"/>
+                </a:solidFill>
+                <a:latin typeface="Consolas" panose="020B0609020204030204" pitchFamily="49" charset="0"/>
+              </a:rPr>
+              <a:t>Vip</a:t>
+            </a:r>
+            <a:r>
+              <a:rPr lang="en-US" altLang="zh-CN" sz="1100">
+                <a:solidFill>
+                  <a:srgbClr val="000000"/>
+                </a:solidFill>
+                <a:latin typeface="Consolas" panose="020B0609020204030204" pitchFamily="49" charset="0"/>
+              </a:rPr>
+              <a:t> </a:t>
+            </a:r>
+            <a:r>
+              <a:rPr lang="en-US" altLang="zh-CN" sz="1100">
+                <a:solidFill>
+                  <a:srgbClr val="000088"/>
+                </a:solidFill>
+                <a:latin typeface="Consolas" panose="020B0609020204030204" pitchFamily="49" charset="0"/>
+              </a:rPr>
+              <a:t>implements</a:t>
+            </a:r>
+            <a:r>
+              <a:rPr lang="en-US" altLang="zh-CN" sz="1100">
+                <a:solidFill>
+                  <a:srgbClr val="000000"/>
+                </a:solidFill>
+                <a:latin typeface="Consolas" panose="020B0609020204030204" pitchFamily="49" charset="0"/>
+              </a:rPr>
+              <a:t> </a:t>
+            </a:r>
+            <a:r>
+              <a:rPr lang="en-US" altLang="zh-CN" sz="1100">
+                <a:solidFill>
+                  <a:srgbClr val="4F4F4F"/>
+                </a:solidFill>
+                <a:latin typeface="Consolas" panose="020B0609020204030204" pitchFamily="49" charset="0"/>
+              </a:rPr>
+              <a:t>CalPrice</a:t>
+            </a:r>
+            <a:r>
+              <a:rPr lang="en-US" altLang="zh-CN" sz="1100">
+                <a:solidFill>
+                  <a:srgbClr val="000000"/>
+                </a:solidFill>
+                <a:latin typeface="Consolas" panose="020B0609020204030204" pitchFamily="49" charset="0"/>
+              </a:rPr>
+              <a:t> { </a:t>
+            </a:r>
+          </a:p>
+          <a:p>
+            <a:r>
+              <a:rPr lang="en-US" altLang="zh-CN" sz="1100">
+                <a:solidFill>
+                  <a:srgbClr val="000000"/>
+                </a:solidFill>
+                <a:latin typeface="Consolas" panose="020B0609020204030204" pitchFamily="49" charset="0"/>
+              </a:rPr>
+              <a:t>	</a:t>
+            </a:r>
+            <a:r>
+              <a:rPr lang="en-US" altLang="zh-CN" sz="1100">
+                <a:solidFill>
+                  <a:srgbClr val="9B859D"/>
+                </a:solidFill>
+                <a:latin typeface="Consolas" panose="020B0609020204030204" pitchFamily="49" charset="0"/>
+              </a:rPr>
+              <a:t>@Override</a:t>
+            </a:r>
+            <a:r>
+              <a:rPr lang="en-US" altLang="zh-CN" sz="1100">
+                <a:solidFill>
+                  <a:srgbClr val="000000"/>
+                </a:solidFill>
+                <a:latin typeface="Consolas" panose="020B0609020204030204" pitchFamily="49" charset="0"/>
+              </a:rPr>
+              <a:t> </a:t>
+            </a:r>
+            <a:r>
+              <a:rPr lang="en-US" altLang="zh-CN" sz="1100">
+                <a:solidFill>
+                  <a:srgbClr val="000088"/>
+                </a:solidFill>
+                <a:latin typeface="Consolas" panose="020B0609020204030204" pitchFamily="49" charset="0"/>
+              </a:rPr>
+              <a:t>public</a:t>
+            </a:r>
+            <a:r>
+              <a:rPr lang="en-US" altLang="zh-CN" sz="1100">
+                <a:solidFill>
+                  <a:srgbClr val="000000"/>
+                </a:solidFill>
+                <a:latin typeface="Consolas" panose="020B0609020204030204" pitchFamily="49" charset="0"/>
+              </a:rPr>
+              <a:t> Double </a:t>
+            </a:r>
+            <a:r>
+              <a:rPr lang="en-US" altLang="zh-CN" sz="1100">
+                <a:solidFill>
+                  <a:srgbClr val="009900"/>
+                </a:solidFill>
+                <a:latin typeface="Consolas" panose="020B0609020204030204" pitchFamily="49" charset="0"/>
+              </a:rPr>
+              <a:t>calPrice</a:t>
+            </a:r>
+            <a:r>
+              <a:rPr lang="en-US" altLang="zh-CN" sz="1100">
+                <a:solidFill>
+                  <a:srgbClr val="000000"/>
+                </a:solidFill>
+                <a:latin typeface="Consolas" panose="020B0609020204030204" pitchFamily="49" charset="0"/>
+              </a:rPr>
+              <a:t>(Double orgnicPrice) { </a:t>
+            </a:r>
+          </a:p>
+          <a:p>
+            <a:r>
+              <a:rPr lang="en-US" altLang="zh-CN" sz="1100">
+                <a:solidFill>
+                  <a:srgbClr val="000000"/>
+                </a:solidFill>
+                <a:latin typeface="Consolas" panose="020B0609020204030204" pitchFamily="49" charset="0"/>
+              </a:rPr>
+              <a:t>		</a:t>
+            </a:r>
+            <a:r>
+              <a:rPr lang="en-US" altLang="zh-CN" sz="1100">
+                <a:solidFill>
+                  <a:srgbClr val="000088"/>
+                </a:solidFill>
+                <a:latin typeface="Consolas" panose="020B0609020204030204" pitchFamily="49" charset="0"/>
+              </a:rPr>
+              <a:t>return</a:t>
+            </a:r>
+            <a:r>
+              <a:rPr lang="en-US" altLang="zh-CN" sz="1100">
+                <a:solidFill>
+                  <a:srgbClr val="000000"/>
+                </a:solidFill>
+                <a:latin typeface="Consolas" panose="020B0609020204030204" pitchFamily="49" charset="0"/>
+              </a:rPr>
+              <a:t> orgnicPrice * </a:t>
+            </a:r>
+            <a:r>
+              <a:rPr lang="en-US" altLang="zh-CN" sz="1100">
+                <a:solidFill>
+                  <a:srgbClr val="006666"/>
+                </a:solidFill>
+                <a:latin typeface="Consolas" panose="020B0609020204030204" pitchFamily="49" charset="0"/>
+              </a:rPr>
+              <a:t>0.9</a:t>
+            </a:r>
+            <a:r>
+              <a:rPr lang="en-US" altLang="zh-CN" sz="1100">
+                <a:solidFill>
+                  <a:srgbClr val="000000"/>
+                </a:solidFill>
+                <a:latin typeface="Consolas" panose="020B0609020204030204" pitchFamily="49" charset="0"/>
+              </a:rPr>
+              <a:t>; </a:t>
+            </a:r>
+          </a:p>
+          <a:p>
+            <a:r>
+              <a:rPr lang="en-US" altLang="zh-CN" sz="1100">
+                <a:solidFill>
+                  <a:srgbClr val="000000"/>
+                </a:solidFill>
+                <a:latin typeface="Consolas" panose="020B0609020204030204" pitchFamily="49" charset="0"/>
+              </a:rPr>
+              <a:t>	}</a:t>
+            </a:r>
+          </a:p>
+          <a:p>
+            <a:r>
+              <a:rPr lang="en-US" altLang="zh-CN" sz="1100">
+                <a:solidFill>
+                  <a:srgbClr val="000000"/>
+                </a:solidFill>
+                <a:latin typeface="Consolas" panose="020B0609020204030204" pitchFamily="49" charset="0"/>
+              </a:rPr>
+              <a:t>}</a:t>
+            </a:r>
+            <a:endParaRPr lang="zh-CN" altLang="en-US" sz="1100"/>
+          </a:p>
+        </p:txBody>
+      </p:sp>
+      <p:pic>
+        <p:nvPicPr>
+          <p:cNvPr id="7" name="图片 6">
+            <a:extLst>
+              <a:ext uri="{FF2B5EF4-FFF2-40B4-BE49-F238E27FC236}">
+                <a16:creationId xmlns:a16="http://schemas.microsoft.com/office/drawing/2014/main" id="{5DA94CCE-3757-4429-B253-60A55ABA444C}"/>
+              </a:ext>
+            </a:extLst>
+          </p:cNvPr>
+          <p:cNvPicPr>
+            <a:picLocks noChangeAspect="1"/>
+          </p:cNvPicPr>
+          <p:nvPr/>
+        </p:nvPicPr>
+        <p:blipFill>
+          <a:blip r:embed="rId2"/>
+          <a:stretch>
+            <a:fillRect/>
+          </a:stretch>
+        </p:blipFill>
+        <p:spPr>
+          <a:xfrm>
+            <a:off x="6013552" y="789708"/>
+            <a:ext cx="5589519" cy="3731099"/>
+          </a:xfrm>
+          <a:prstGeom prst="rect">
+            <a:avLst/>
+          </a:prstGeom>
+        </p:spPr>
+      </p:pic>
+      <p:pic>
+        <p:nvPicPr>
+          <p:cNvPr id="8" name="图片 7">
+            <a:extLst>
+              <a:ext uri="{FF2B5EF4-FFF2-40B4-BE49-F238E27FC236}">
+                <a16:creationId xmlns:a16="http://schemas.microsoft.com/office/drawing/2014/main" id="{11A516B9-AFDD-4E43-9382-2582A9D0884E}"/>
+              </a:ext>
+            </a:extLst>
+          </p:cNvPr>
+          <p:cNvPicPr>
+            <a:picLocks noChangeAspect="1"/>
+          </p:cNvPicPr>
+          <p:nvPr/>
+        </p:nvPicPr>
+        <p:blipFill>
+          <a:blip r:embed="rId3"/>
+          <a:stretch>
+            <a:fillRect/>
+          </a:stretch>
+        </p:blipFill>
+        <p:spPr>
+          <a:xfrm>
+            <a:off x="397597" y="3955901"/>
+            <a:ext cx="5391427" cy="2902099"/>
+          </a:xfrm>
+          <a:prstGeom prst="rect">
+            <a:avLst/>
+          </a:prstGeom>
+        </p:spPr>
+      </p:pic>
     </p:spTree>
     <p:extLst>
       <p:ext uri="{BB962C8B-B14F-4D97-AF65-F5344CB8AC3E}">
@@ -4709,6 +5560,255 @@
           <a:chExt cx="0" cy="0"/>
         </a:xfrm>
       </p:grpSpPr>
+      <p:sp>
+        <p:nvSpPr>
+          <p:cNvPr id="6" name="矩形 5">
+            <a:extLst>
+              <a:ext uri="{FF2B5EF4-FFF2-40B4-BE49-F238E27FC236}">
+                <a16:creationId xmlns:a16="http://schemas.microsoft.com/office/drawing/2014/main" id="{BFAB6FC2-FDBB-437F-A2C3-35EB291C79A1}"/>
+              </a:ext>
+            </a:extLst>
+          </p:cNvPr>
+          <p:cNvSpPr/>
+          <p:nvPr/>
+        </p:nvSpPr>
+        <p:spPr>
+          <a:xfrm>
+            <a:off x="0" y="0"/>
+            <a:ext cx="2515432" cy="369332"/>
+          </a:xfrm>
+          <a:prstGeom prst="rect">
+            <a:avLst/>
+          </a:prstGeom>
+        </p:spPr>
+        <p:txBody>
+          <a:bodyPr wrap="none">
+            <a:spAutoFit/>
+          </a:bodyPr>
+          <a:lstStyle/>
+          <a:p>
+            <a:r>
+              <a:rPr lang="zh-CN" altLang="en-US"/>
+              <a:t>策略模式在</a:t>
+            </a:r>
+            <a:r>
+              <a:rPr lang="en-US" altLang="zh-CN"/>
+              <a:t>Spring boot</a:t>
+            </a:r>
+            <a:endParaRPr lang="zh-CN" altLang="en-US"/>
+          </a:p>
+        </p:txBody>
+      </p:sp>
+      <p:pic>
+        <p:nvPicPr>
+          <p:cNvPr id="8" name="图片 7">
+            <a:extLst>
+              <a:ext uri="{FF2B5EF4-FFF2-40B4-BE49-F238E27FC236}">
+                <a16:creationId xmlns:a16="http://schemas.microsoft.com/office/drawing/2014/main" id="{1865D3FB-7A3A-4682-8C4B-B4853BA74CF6}"/>
+              </a:ext>
+            </a:extLst>
+          </p:cNvPr>
+          <p:cNvPicPr>
+            <a:picLocks noChangeAspect="1"/>
+          </p:cNvPicPr>
+          <p:nvPr/>
+        </p:nvPicPr>
+        <p:blipFill>
+          <a:blip r:embed="rId2"/>
+          <a:stretch>
+            <a:fillRect/>
+          </a:stretch>
+        </p:blipFill>
+        <p:spPr>
+          <a:xfrm>
+            <a:off x="187428" y="547391"/>
+            <a:ext cx="4367946" cy="1390721"/>
+          </a:xfrm>
+          <a:prstGeom prst="rect">
+            <a:avLst/>
+          </a:prstGeom>
+        </p:spPr>
+      </p:pic>
+      <p:pic>
+        <p:nvPicPr>
+          <p:cNvPr id="9" name="图片 8">
+            <a:extLst>
+              <a:ext uri="{FF2B5EF4-FFF2-40B4-BE49-F238E27FC236}">
+                <a16:creationId xmlns:a16="http://schemas.microsoft.com/office/drawing/2014/main" id="{DCF13C6A-A21C-4F9A-9F76-FD397EB0E7AA}"/>
+              </a:ext>
+            </a:extLst>
+          </p:cNvPr>
+          <p:cNvPicPr>
+            <a:picLocks noChangeAspect="1"/>
+          </p:cNvPicPr>
+          <p:nvPr/>
+        </p:nvPicPr>
+        <p:blipFill>
+          <a:blip r:embed="rId3"/>
+          <a:stretch>
+            <a:fillRect/>
+          </a:stretch>
+        </p:blipFill>
+        <p:spPr>
+          <a:xfrm>
+            <a:off x="420185" y="2385595"/>
+            <a:ext cx="4000706" cy="1612983"/>
+          </a:xfrm>
+          <a:prstGeom prst="rect">
+            <a:avLst/>
+          </a:prstGeom>
+        </p:spPr>
+      </p:pic>
+      <p:pic>
+        <p:nvPicPr>
+          <p:cNvPr id="10" name="图片 9">
+            <a:extLst>
+              <a:ext uri="{FF2B5EF4-FFF2-40B4-BE49-F238E27FC236}">
+                <a16:creationId xmlns:a16="http://schemas.microsoft.com/office/drawing/2014/main" id="{5238AB6D-3E6B-46E0-B39F-1120CA568E27}"/>
+              </a:ext>
+            </a:extLst>
+          </p:cNvPr>
+          <p:cNvPicPr>
+            <a:picLocks noChangeAspect="1"/>
+          </p:cNvPicPr>
+          <p:nvPr/>
+        </p:nvPicPr>
+        <p:blipFill>
+          <a:blip r:embed="rId4"/>
+          <a:stretch>
+            <a:fillRect/>
+          </a:stretch>
+        </p:blipFill>
+        <p:spPr>
+          <a:xfrm>
+            <a:off x="4841404" y="511295"/>
+            <a:ext cx="7163168" cy="431822"/>
+          </a:xfrm>
+          <a:prstGeom prst="rect">
+            <a:avLst/>
+          </a:prstGeom>
+        </p:spPr>
+      </p:pic>
+      <p:pic>
+        <p:nvPicPr>
+          <p:cNvPr id="11" name="图片 10">
+            <a:extLst>
+              <a:ext uri="{FF2B5EF4-FFF2-40B4-BE49-F238E27FC236}">
+                <a16:creationId xmlns:a16="http://schemas.microsoft.com/office/drawing/2014/main" id="{9711B130-1F3C-4FFD-9BC4-309C93878CDE}"/>
+              </a:ext>
+            </a:extLst>
+          </p:cNvPr>
+          <p:cNvPicPr>
+            <a:picLocks noChangeAspect="1"/>
+          </p:cNvPicPr>
+          <p:nvPr/>
+        </p:nvPicPr>
+        <p:blipFill>
+          <a:blip r:embed="rId5"/>
+          <a:stretch>
+            <a:fillRect/>
+          </a:stretch>
+        </p:blipFill>
+        <p:spPr>
+          <a:xfrm>
+            <a:off x="4871497" y="1468188"/>
+            <a:ext cx="4153113" cy="469924"/>
+          </a:xfrm>
+          <a:prstGeom prst="rect">
+            <a:avLst/>
+          </a:prstGeom>
+        </p:spPr>
+      </p:pic>
+      <p:pic>
+        <p:nvPicPr>
+          <p:cNvPr id="12" name="图片 11">
+            <a:extLst>
+              <a:ext uri="{FF2B5EF4-FFF2-40B4-BE49-F238E27FC236}">
+                <a16:creationId xmlns:a16="http://schemas.microsoft.com/office/drawing/2014/main" id="{B64A65BE-2F2A-4FDC-851E-60BFDDCF58F7}"/>
+              </a:ext>
+            </a:extLst>
+          </p:cNvPr>
+          <p:cNvPicPr>
+            <a:picLocks noChangeAspect="1"/>
+          </p:cNvPicPr>
+          <p:nvPr/>
+        </p:nvPicPr>
+        <p:blipFill>
+          <a:blip r:embed="rId6"/>
+          <a:stretch>
+            <a:fillRect/>
+          </a:stretch>
+        </p:blipFill>
+        <p:spPr>
+          <a:xfrm>
+            <a:off x="4871497" y="3642654"/>
+            <a:ext cx="5905804" cy="400071"/>
+          </a:xfrm>
+          <a:prstGeom prst="rect">
+            <a:avLst/>
+          </a:prstGeom>
+        </p:spPr>
+      </p:pic>
+      <p:pic>
+        <p:nvPicPr>
+          <p:cNvPr id="13" name="图片 12">
+            <a:extLst>
+              <a:ext uri="{FF2B5EF4-FFF2-40B4-BE49-F238E27FC236}">
+                <a16:creationId xmlns:a16="http://schemas.microsoft.com/office/drawing/2014/main" id="{F19D14C1-CF42-461A-B23E-83ADAB14CE21}"/>
+              </a:ext>
+            </a:extLst>
+          </p:cNvPr>
+          <p:cNvPicPr>
+            <a:picLocks noChangeAspect="1"/>
+          </p:cNvPicPr>
+          <p:nvPr/>
+        </p:nvPicPr>
+        <p:blipFill>
+          <a:blip r:embed="rId7"/>
+          <a:stretch>
+            <a:fillRect/>
+          </a:stretch>
+        </p:blipFill>
+        <p:spPr>
+          <a:xfrm>
+            <a:off x="4841404" y="2970751"/>
+            <a:ext cx="5658141" cy="419122"/>
+          </a:xfrm>
+          <a:prstGeom prst="rect">
+            <a:avLst/>
+          </a:prstGeom>
+        </p:spPr>
+      </p:pic>
+      <p:pic>
+        <p:nvPicPr>
+          <p:cNvPr id="14" name="图片 13">
+            <a:extLst>
+              <a:ext uri="{FF2B5EF4-FFF2-40B4-BE49-F238E27FC236}">
+                <a16:creationId xmlns:a16="http://schemas.microsoft.com/office/drawing/2014/main" id="{25394BD4-1A98-44E7-96FA-C4D61F5EF3BB}"/>
+              </a:ext>
+            </a:extLst>
+          </p:cNvPr>
+          <p:cNvPicPr>
+            <a:picLocks noChangeAspect="1"/>
+          </p:cNvPicPr>
+          <p:nvPr/>
+        </p:nvPicPr>
+        <p:blipFill>
+          <a:blip r:embed="rId8"/>
+          <a:stretch>
+            <a:fillRect/>
+          </a:stretch>
+        </p:blipFill>
+        <p:spPr>
+          <a:xfrm>
+            <a:off x="4845172" y="2190893"/>
+            <a:ext cx="5289822" cy="527077"/>
+          </a:xfrm>
+          <a:prstGeom prst="rect">
+            <a:avLst/>
+          </a:prstGeom>
+        </p:spPr>
+      </p:pic>
     </p:spTree>
     <p:extLst>
       <p:ext uri="{BB962C8B-B14F-4D97-AF65-F5344CB8AC3E}">
@@ -4739,6 +5839,522 @@
           <a:chExt cx="0" cy="0"/>
         </a:xfrm>
       </p:grpSpPr>
+      <p:pic>
+        <p:nvPicPr>
+          <p:cNvPr id="2" name="图片 1">
+            <a:extLst>
+              <a:ext uri="{FF2B5EF4-FFF2-40B4-BE49-F238E27FC236}">
+                <a16:creationId xmlns:a16="http://schemas.microsoft.com/office/drawing/2014/main" id="{7331D9D3-F572-476D-A44F-62460DEFED56}"/>
+              </a:ext>
+            </a:extLst>
+          </p:cNvPr>
+          <p:cNvPicPr>
+            <a:picLocks noChangeAspect="1"/>
+          </p:cNvPicPr>
+          <p:nvPr/>
+        </p:nvPicPr>
+        <p:blipFill>
+          <a:blip r:embed="rId2"/>
+          <a:stretch>
+            <a:fillRect/>
+          </a:stretch>
+        </p:blipFill>
+        <p:spPr>
+          <a:xfrm>
+            <a:off x="463434" y="604031"/>
+            <a:ext cx="4850476" cy="2633425"/>
+          </a:xfrm>
+          <a:prstGeom prst="rect">
+            <a:avLst/>
+          </a:prstGeom>
+        </p:spPr>
+      </p:pic>
+      <p:sp>
+        <p:nvSpPr>
+          <p:cNvPr id="4" name="矩形 3">
+            <a:extLst>
+              <a:ext uri="{FF2B5EF4-FFF2-40B4-BE49-F238E27FC236}">
+                <a16:creationId xmlns:a16="http://schemas.microsoft.com/office/drawing/2014/main" id="{542D49AF-7B82-47E2-97DD-D91034F9E149}"/>
+              </a:ext>
+            </a:extLst>
+          </p:cNvPr>
+          <p:cNvSpPr/>
+          <p:nvPr/>
+        </p:nvSpPr>
+        <p:spPr>
+          <a:xfrm>
+            <a:off x="0" y="0"/>
+            <a:ext cx="1800493" cy="369332"/>
+          </a:xfrm>
+          <a:prstGeom prst="rect">
+            <a:avLst/>
+          </a:prstGeom>
+        </p:spPr>
+        <p:txBody>
+          <a:bodyPr wrap="none">
+            <a:spAutoFit/>
+          </a:bodyPr>
+          <a:lstStyle/>
+          <a:p>
+            <a:r>
+              <a:rPr lang="zh-CN" altLang="en-US"/>
+              <a:t>策略模式在业务</a:t>
+            </a:r>
+          </a:p>
+        </p:txBody>
+      </p:sp>
+      <p:pic>
+        <p:nvPicPr>
+          <p:cNvPr id="6" name="图片 5">
+            <a:extLst>
+              <a:ext uri="{FF2B5EF4-FFF2-40B4-BE49-F238E27FC236}">
+                <a16:creationId xmlns:a16="http://schemas.microsoft.com/office/drawing/2014/main" id="{963D0D6E-83D9-406D-9C9D-3861644D02AF}"/>
+              </a:ext>
+            </a:extLst>
+          </p:cNvPr>
+          <p:cNvPicPr>
+            <a:picLocks noChangeAspect="1"/>
+          </p:cNvPicPr>
+          <p:nvPr/>
+        </p:nvPicPr>
+        <p:blipFill>
+          <a:blip r:embed="rId3"/>
+          <a:stretch>
+            <a:fillRect/>
+          </a:stretch>
+        </p:blipFill>
+        <p:spPr>
+          <a:xfrm>
+            <a:off x="5860471" y="323612"/>
+            <a:ext cx="6140335" cy="3172707"/>
+          </a:xfrm>
+          <a:prstGeom prst="rect">
+            <a:avLst/>
+          </a:prstGeom>
+        </p:spPr>
+      </p:pic>
+      <p:cxnSp>
+        <p:nvCxnSpPr>
+          <p:cNvPr id="8" name="直接箭头连接符 7">
+            <a:extLst>
+              <a:ext uri="{FF2B5EF4-FFF2-40B4-BE49-F238E27FC236}">
+                <a16:creationId xmlns:a16="http://schemas.microsoft.com/office/drawing/2014/main" id="{1B4F7DDA-71E0-4CA1-B063-EB2F39C98AA8}"/>
+              </a:ext>
+            </a:extLst>
+          </p:cNvPr>
+          <p:cNvCxnSpPr/>
+          <p:nvPr/>
+        </p:nvCxnSpPr>
+        <p:spPr>
+          <a:xfrm flipH="1">
+            <a:off x="8994371" y="482138"/>
+            <a:ext cx="739833" cy="610986"/>
+          </a:xfrm>
+          <a:prstGeom prst="straightConnector1">
+            <a:avLst/>
+          </a:prstGeom>
+          <a:ln>
+            <a:tailEnd type="triangle"/>
+          </a:ln>
+        </p:spPr>
+        <p:style>
+          <a:lnRef idx="1">
+            <a:schemeClr val="accent1"/>
+          </a:lnRef>
+          <a:fillRef idx="0">
+            <a:schemeClr val="accent1"/>
+          </a:fillRef>
+          <a:effectRef idx="0">
+            <a:schemeClr val="accent1"/>
+          </a:effectRef>
+          <a:fontRef idx="minor">
+            <a:schemeClr val="tx1"/>
+          </a:fontRef>
+        </p:style>
+      </p:cxnSp>
+      <p:sp>
+        <p:nvSpPr>
+          <p:cNvPr id="9" name="文本框 8">
+            <a:extLst>
+              <a:ext uri="{FF2B5EF4-FFF2-40B4-BE49-F238E27FC236}">
+                <a16:creationId xmlns:a16="http://schemas.microsoft.com/office/drawing/2014/main" id="{0BC6AC8A-F473-4FB8-B489-C875B3E4701E}"/>
+              </a:ext>
+            </a:extLst>
+          </p:cNvPr>
+          <p:cNvSpPr txBox="1"/>
+          <p:nvPr/>
+        </p:nvSpPr>
+        <p:spPr>
+          <a:xfrm>
+            <a:off x="9680171" y="235070"/>
+            <a:ext cx="1569660" cy="369332"/>
+          </a:xfrm>
+          <a:prstGeom prst="rect">
+            <a:avLst/>
+          </a:prstGeom>
+          <a:noFill/>
+        </p:spPr>
+        <p:txBody>
+          <a:bodyPr wrap="none" rtlCol="0">
+            <a:spAutoFit/>
+          </a:bodyPr>
+          <a:lstStyle/>
+          <a:p>
+            <a:r>
+              <a:rPr lang="zh-CN" altLang="en-US">
+                <a:solidFill>
+                  <a:srgbClr val="FF0000"/>
+                </a:solidFill>
+              </a:rPr>
+              <a:t>不同价格计算</a:t>
+            </a:r>
+          </a:p>
+        </p:txBody>
+      </p:sp>
+      <p:cxnSp>
+        <p:nvCxnSpPr>
+          <p:cNvPr id="12" name="直接箭头连接符 11">
+            <a:extLst>
+              <a:ext uri="{FF2B5EF4-FFF2-40B4-BE49-F238E27FC236}">
+                <a16:creationId xmlns:a16="http://schemas.microsoft.com/office/drawing/2014/main" id="{FD95149A-5414-4615-A7A6-63316DE68D26}"/>
+              </a:ext>
+            </a:extLst>
+          </p:cNvPr>
+          <p:cNvCxnSpPr>
+            <a:cxnSpLocks/>
+          </p:cNvCxnSpPr>
+          <p:nvPr/>
+        </p:nvCxnSpPr>
+        <p:spPr>
+          <a:xfrm flipH="1">
+            <a:off x="910245" y="610636"/>
+            <a:ext cx="968431" cy="977095"/>
+          </a:xfrm>
+          <a:prstGeom prst="straightConnector1">
+            <a:avLst/>
+          </a:prstGeom>
+          <a:ln>
+            <a:tailEnd type="triangle"/>
+          </a:ln>
+        </p:spPr>
+        <p:style>
+          <a:lnRef idx="1">
+            <a:schemeClr val="accent1"/>
+          </a:lnRef>
+          <a:fillRef idx="0">
+            <a:schemeClr val="accent1"/>
+          </a:fillRef>
+          <a:effectRef idx="0">
+            <a:schemeClr val="accent1"/>
+          </a:effectRef>
+          <a:fontRef idx="minor">
+            <a:schemeClr val="tx1"/>
+          </a:fontRef>
+        </p:style>
+      </p:cxnSp>
+      <p:sp>
+        <p:nvSpPr>
+          <p:cNvPr id="13" name="文本框 12">
+            <a:extLst>
+              <a:ext uri="{FF2B5EF4-FFF2-40B4-BE49-F238E27FC236}">
+                <a16:creationId xmlns:a16="http://schemas.microsoft.com/office/drawing/2014/main" id="{B4F5D01F-235E-4881-A4F3-324E1F6818E8}"/>
+              </a:ext>
+            </a:extLst>
+          </p:cNvPr>
+          <p:cNvSpPr txBox="1"/>
+          <p:nvPr/>
+        </p:nvSpPr>
+        <p:spPr>
+          <a:xfrm>
+            <a:off x="1517073" y="376654"/>
+            <a:ext cx="2032929" cy="276999"/>
+          </a:xfrm>
+          <a:prstGeom prst="rect">
+            <a:avLst/>
+          </a:prstGeom>
+          <a:noFill/>
+        </p:spPr>
+        <p:txBody>
+          <a:bodyPr wrap="square" rtlCol="0">
+            <a:spAutoFit/>
+          </a:bodyPr>
+          <a:lstStyle/>
+          <a:p>
+            <a:r>
+              <a:rPr lang="zh-CN" altLang="en-US" sz="1200" b="1">
+                <a:solidFill>
+                  <a:srgbClr val="FF0000"/>
+                </a:solidFill>
+              </a:rPr>
+              <a:t>根据不同的菜单组</a:t>
+            </a:r>
+          </a:p>
+        </p:txBody>
+      </p:sp>
+      <p:cxnSp>
+        <p:nvCxnSpPr>
+          <p:cNvPr id="16" name="直接箭头连接符 15">
+            <a:extLst>
+              <a:ext uri="{FF2B5EF4-FFF2-40B4-BE49-F238E27FC236}">
+                <a16:creationId xmlns:a16="http://schemas.microsoft.com/office/drawing/2014/main" id="{D8118506-97D6-4D0F-A1F7-DE97A6ED9B4C}"/>
+              </a:ext>
+            </a:extLst>
+          </p:cNvPr>
+          <p:cNvCxnSpPr/>
+          <p:nvPr/>
+        </p:nvCxnSpPr>
+        <p:spPr>
+          <a:xfrm flipH="1" flipV="1">
+            <a:off x="4199087" y="2913611"/>
+            <a:ext cx="568262" cy="419793"/>
+          </a:xfrm>
+          <a:prstGeom prst="straightConnector1">
+            <a:avLst/>
+          </a:prstGeom>
+          <a:ln>
+            <a:tailEnd type="triangle"/>
+          </a:ln>
+        </p:spPr>
+        <p:style>
+          <a:lnRef idx="1">
+            <a:schemeClr val="accent1"/>
+          </a:lnRef>
+          <a:fillRef idx="0">
+            <a:schemeClr val="accent1"/>
+          </a:fillRef>
+          <a:effectRef idx="0">
+            <a:schemeClr val="accent1"/>
+          </a:effectRef>
+          <a:fontRef idx="minor">
+            <a:schemeClr val="tx1"/>
+          </a:fontRef>
+        </p:style>
+      </p:cxnSp>
+      <p:sp>
+        <p:nvSpPr>
+          <p:cNvPr id="17" name="文本框 16">
+            <a:extLst>
+              <a:ext uri="{FF2B5EF4-FFF2-40B4-BE49-F238E27FC236}">
+                <a16:creationId xmlns:a16="http://schemas.microsoft.com/office/drawing/2014/main" id="{CDB94F4B-35A4-4B39-93FD-CC8FBF559C52}"/>
+              </a:ext>
+            </a:extLst>
+          </p:cNvPr>
+          <p:cNvSpPr txBox="1"/>
+          <p:nvPr/>
+        </p:nvSpPr>
+        <p:spPr>
+          <a:xfrm>
+            <a:off x="4060768" y="3256298"/>
+            <a:ext cx="1569660" cy="369332"/>
+          </a:xfrm>
+          <a:prstGeom prst="rect">
+            <a:avLst/>
+          </a:prstGeom>
+          <a:noFill/>
+        </p:spPr>
+        <p:txBody>
+          <a:bodyPr wrap="none" rtlCol="0">
+            <a:spAutoFit/>
+          </a:bodyPr>
+          <a:lstStyle/>
+          <a:p>
+            <a:r>
+              <a:rPr lang="zh-CN" altLang="en-US">
+                <a:solidFill>
+                  <a:srgbClr val="FF0000"/>
+                </a:solidFill>
+              </a:rPr>
+              <a:t>不同的子菜单</a:t>
+            </a:r>
+          </a:p>
+        </p:txBody>
+      </p:sp>
+      <p:pic>
+        <p:nvPicPr>
+          <p:cNvPr id="18" name="图片 17">
+            <a:extLst>
+              <a:ext uri="{FF2B5EF4-FFF2-40B4-BE49-F238E27FC236}">
+                <a16:creationId xmlns:a16="http://schemas.microsoft.com/office/drawing/2014/main" id="{E1E5D3FB-C8E4-41A2-AB17-664B29EFC00B}"/>
+              </a:ext>
+            </a:extLst>
+          </p:cNvPr>
+          <p:cNvPicPr>
+            <a:picLocks noChangeAspect="1"/>
+          </p:cNvPicPr>
+          <p:nvPr/>
+        </p:nvPicPr>
+        <p:blipFill>
+          <a:blip r:embed="rId4"/>
+          <a:stretch>
+            <a:fillRect/>
+          </a:stretch>
+        </p:blipFill>
+        <p:spPr>
+          <a:xfrm>
+            <a:off x="2606782" y="4238132"/>
+            <a:ext cx="5252900" cy="1616048"/>
+          </a:xfrm>
+          <a:prstGeom prst="rect">
+            <a:avLst/>
+          </a:prstGeom>
+        </p:spPr>
+      </p:pic>
+      <p:cxnSp>
+        <p:nvCxnSpPr>
+          <p:cNvPr id="20" name="直接箭头连接符 19">
+            <a:extLst>
+              <a:ext uri="{FF2B5EF4-FFF2-40B4-BE49-F238E27FC236}">
+                <a16:creationId xmlns:a16="http://schemas.microsoft.com/office/drawing/2014/main" id="{F0D2A5EE-7D9C-4142-B6D9-A2E821ABC9C6}"/>
+              </a:ext>
+            </a:extLst>
+          </p:cNvPr>
+          <p:cNvCxnSpPr/>
+          <p:nvPr/>
+        </p:nvCxnSpPr>
+        <p:spPr>
+          <a:xfrm flipH="1">
+            <a:off x="7331825" y="4782616"/>
+            <a:ext cx="802178" cy="0"/>
+          </a:xfrm>
+          <a:prstGeom prst="straightConnector1">
+            <a:avLst/>
+          </a:prstGeom>
+          <a:ln>
+            <a:tailEnd type="triangle"/>
+          </a:ln>
+        </p:spPr>
+        <p:style>
+          <a:lnRef idx="1">
+            <a:schemeClr val="accent1"/>
+          </a:lnRef>
+          <a:fillRef idx="0">
+            <a:schemeClr val="accent1"/>
+          </a:fillRef>
+          <a:effectRef idx="0">
+            <a:schemeClr val="accent1"/>
+          </a:effectRef>
+          <a:fontRef idx="minor">
+            <a:schemeClr val="tx1"/>
+          </a:fontRef>
+        </p:style>
+      </p:cxnSp>
+      <p:cxnSp>
+        <p:nvCxnSpPr>
+          <p:cNvPr id="22" name="直接箭头连接符 21">
+            <a:extLst>
+              <a:ext uri="{FF2B5EF4-FFF2-40B4-BE49-F238E27FC236}">
+                <a16:creationId xmlns:a16="http://schemas.microsoft.com/office/drawing/2014/main" id="{BF43EB6E-F8F4-4564-AEA3-A95335202BA6}"/>
+              </a:ext>
+            </a:extLst>
+          </p:cNvPr>
+          <p:cNvCxnSpPr/>
+          <p:nvPr/>
+        </p:nvCxnSpPr>
+        <p:spPr>
+          <a:xfrm flipH="1" flipV="1">
+            <a:off x="5507182" y="5738580"/>
+            <a:ext cx="1433945" cy="515389"/>
+          </a:xfrm>
+          <a:prstGeom prst="straightConnector1">
+            <a:avLst/>
+          </a:prstGeom>
+          <a:ln>
+            <a:tailEnd type="triangle"/>
+          </a:ln>
+        </p:spPr>
+        <p:style>
+          <a:lnRef idx="1">
+            <a:schemeClr val="accent1"/>
+          </a:lnRef>
+          <a:fillRef idx="0">
+            <a:schemeClr val="accent1"/>
+          </a:fillRef>
+          <a:effectRef idx="0">
+            <a:schemeClr val="accent1"/>
+          </a:effectRef>
+          <a:fontRef idx="minor">
+            <a:schemeClr val="tx1"/>
+          </a:fontRef>
+        </p:style>
+      </p:cxnSp>
+      <p:sp>
+        <p:nvSpPr>
+          <p:cNvPr id="23" name="文本框 22">
+            <a:extLst>
+              <a:ext uri="{FF2B5EF4-FFF2-40B4-BE49-F238E27FC236}">
+                <a16:creationId xmlns:a16="http://schemas.microsoft.com/office/drawing/2014/main" id="{CCBAAAA4-4E81-4D11-AF30-21370CD1CACE}"/>
+              </a:ext>
+            </a:extLst>
+          </p:cNvPr>
+          <p:cNvSpPr txBox="1"/>
+          <p:nvPr/>
+        </p:nvSpPr>
+        <p:spPr>
+          <a:xfrm>
+            <a:off x="8084127" y="4597950"/>
+            <a:ext cx="1107996" cy="369332"/>
+          </a:xfrm>
+          <a:prstGeom prst="rect">
+            <a:avLst/>
+          </a:prstGeom>
+          <a:noFill/>
+        </p:spPr>
+        <p:txBody>
+          <a:bodyPr wrap="none" rtlCol="0">
+            <a:spAutoFit/>
+          </a:bodyPr>
+          <a:lstStyle/>
+          <a:p>
+            <a:r>
+              <a:rPr lang="zh-CN" altLang="en-US">
+                <a:solidFill>
+                  <a:srgbClr val="FF0000"/>
+                </a:solidFill>
+              </a:rPr>
+              <a:t>不同等级</a:t>
+            </a:r>
+          </a:p>
+        </p:txBody>
+      </p:sp>
+      <p:sp>
+        <p:nvSpPr>
+          <p:cNvPr id="24" name="文本框 23">
+            <a:extLst>
+              <a:ext uri="{FF2B5EF4-FFF2-40B4-BE49-F238E27FC236}">
+                <a16:creationId xmlns:a16="http://schemas.microsoft.com/office/drawing/2014/main" id="{4CEEE9C6-AC0B-4550-A3D9-EEE10C28D528}"/>
+              </a:ext>
+            </a:extLst>
+          </p:cNvPr>
+          <p:cNvSpPr txBox="1"/>
+          <p:nvPr/>
+        </p:nvSpPr>
+        <p:spPr>
+          <a:xfrm>
+            <a:off x="6926253" y="6069303"/>
+            <a:ext cx="1107996" cy="369332"/>
+          </a:xfrm>
+          <a:prstGeom prst="rect">
+            <a:avLst/>
+          </a:prstGeom>
+          <a:noFill/>
+        </p:spPr>
+        <p:txBody>
+          <a:bodyPr wrap="none" rtlCol="0">
+            <a:spAutoFit/>
+          </a:bodyPr>
+          <a:lstStyle/>
+          <a:p>
+            <a:r>
+              <a:rPr lang="zh-CN" altLang="en-US">
+                <a:solidFill>
+                  <a:srgbClr val="FF0000"/>
+                </a:solidFill>
+              </a:rPr>
+              <a:t>权益不同</a:t>
+            </a:r>
+          </a:p>
+        </p:txBody>
+      </p:sp>
     </p:spTree>
     <p:extLst>
       <p:ext uri="{BB962C8B-B14F-4D97-AF65-F5344CB8AC3E}">
